--- a/presentations/daa_review2.pptx
+++ b/presentations/daa_review2.pptx
@@ -118,6 +118,11 @@
       </a:defRPr>
     </a:lvl9pPr>
   </p:defaultTextStyle>
+  <p:extLst>
+    <p:ext uri="{EFAFB233-063F-42B5-8137-9DF3F51BA10A}">
+      <p15:sldGuideLst xmlns:p15="http://schemas.microsoft.com/office/powerpoint/2012/main"/>
+    </p:ext>
+  </p:extLst>
 </p:presentation>
 </file>
 
@@ -203,7 +208,7 @@
           <a:p>
             <a:fld id="{9ABB13F2-4845-4210-BE69-DCF7EB6F2246}" type="datetimeFigureOut">
               <a:rPr lang="en-US" smtClean="0"/>
-              <a:t>3/12/2022</a:t>
+              <a:t>3/13/2022</a:t>
             </a:fld>
             <a:endParaRPr lang="en-US"/>
           </a:p>
@@ -701,7 +706,7 @@
           <a:p>
             <a:fld id="{39AC05F6-8558-4487-BF74-FB5372F2C2A6}" type="datetimeFigureOut">
               <a:rPr lang="en-US" smtClean="0"/>
-              <a:t>3/12/2022</a:t>
+              <a:t>3/13/2022</a:t>
             </a:fld>
             <a:endParaRPr lang="en-US"/>
           </a:p>
@@ -899,7 +904,7 @@
           <a:p>
             <a:fld id="{39AC05F6-8558-4487-BF74-FB5372F2C2A6}" type="datetimeFigureOut">
               <a:rPr lang="en-US" smtClean="0"/>
-              <a:t>3/12/2022</a:t>
+              <a:t>3/13/2022</a:t>
             </a:fld>
             <a:endParaRPr lang="en-US"/>
           </a:p>
@@ -1107,7 +1112,7 @@
           <a:p>
             <a:fld id="{39AC05F6-8558-4487-BF74-FB5372F2C2A6}" type="datetimeFigureOut">
               <a:rPr lang="en-US" smtClean="0"/>
-              <a:t>3/12/2022</a:t>
+              <a:t>3/13/2022</a:t>
             </a:fld>
             <a:endParaRPr lang="en-US"/>
           </a:p>
@@ -1305,7 +1310,7 @@
           <a:p>
             <a:fld id="{39AC05F6-8558-4487-BF74-FB5372F2C2A6}" type="datetimeFigureOut">
               <a:rPr lang="en-US" smtClean="0"/>
-              <a:t>3/12/2022</a:t>
+              <a:t>3/13/2022</a:t>
             </a:fld>
             <a:endParaRPr lang="en-US"/>
           </a:p>
@@ -1580,7 +1585,7 @@
           <a:p>
             <a:fld id="{39AC05F6-8558-4487-BF74-FB5372F2C2A6}" type="datetimeFigureOut">
               <a:rPr lang="en-US" smtClean="0"/>
-              <a:t>3/12/2022</a:t>
+              <a:t>3/13/2022</a:t>
             </a:fld>
             <a:endParaRPr lang="en-US"/>
           </a:p>
@@ -1845,7 +1850,7 @@
           <a:p>
             <a:fld id="{39AC05F6-8558-4487-BF74-FB5372F2C2A6}" type="datetimeFigureOut">
               <a:rPr lang="en-US" smtClean="0"/>
-              <a:t>3/12/2022</a:t>
+              <a:t>3/13/2022</a:t>
             </a:fld>
             <a:endParaRPr lang="en-US"/>
           </a:p>
@@ -2257,7 +2262,7 @@
           <a:p>
             <a:fld id="{39AC05F6-8558-4487-BF74-FB5372F2C2A6}" type="datetimeFigureOut">
               <a:rPr lang="en-US" smtClean="0"/>
-              <a:t>3/12/2022</a:t>
+              <a:t>3/13/2022</a:t>
             </a:fld>
             <a:endParaRPr lang="en-US"/>
           </a:p>
@@ -2398,7 +2403,7 @@
           <a:p>
             <a:fld id="{39AC05F6-8558-4487-BF74-FB5372F2C2A6}" type="datetimeFigureOut">
               <a:rPr lang="en-US" smtClean="0"/>
-              <a:t>3/12/2022</a:t>
+              <a:t>3/13/2022</a:t>
             </a:fld>
             <a:endParaRPr lang="en-US"/>
           </a:p>
@@ -2511,7 +2516,7 @@
           <a:p>
             <a:fld id="{39AC05F6-8558-4487-BF74-FB5372F2C2A6}" type="datetimeFigureOut">
               <a:rPr lang="en-US" smtClean="0"/>
-              <a:t>3/12/2022</a:t>
+              <a:t>3/13/2022</a:t>
             </a:fld>
             <a:endParaRPr lang="en-US"/>
           </a:p>
@@ -2822,7 +2827,7 @@
           <a:p>
             <a:fld id="{39AC05F6-8558-4487-BF74-FB5372F2C2A6}" type="datetimeFigureOut">
               <a:rPr lang="en-US" smtClean="0"/>
-              <a:t>3/12/2022</a:t>
+              <a:t>3/13/2022</a:t>
             </a:fld>
             <a:endParaRPr lang="en-US"/>
           </a:p>
@@ -3110,7 +3115,7 @@
           <a:p>
             <a:fld id="{39AC05F6-8558-4487-BF74-FB5372F2C2A6}" type="datetimeFigureOut">
               <a:rPr lang="en-US" smtClean="0"/>
-              <a:t>3/12/2022</a:t>
+              <a:t>3/13/2022</a:t>
             </a:fld>
             <a:endParaRPr lang="en-US"/>
           </a:p>
@@ -3379,7 +3384,7 @@
           <a:p>
             <a:fld id="{39AC05F6-8558-4487-BF74-FB5372F2C2A6}" type="datetimeFigureOut">
               <a:rPr lang="en-US" smtClean="0"/>
-              <a:t>3/12/2022</a:t>
+              <a:t>3/13/2022</a:t>
             </a:fld>
             <a:endParaRPr lang="en-US"/>
           </a:p>
@@ -4264,31 +4269,101 @@
           </a:p>
         </p:txBody>
       </p:sp>
-      <p:sp>
-        <p:nvSpPr>
-          <p:cNvPr id="4" name="Content Placeholder 3">
-            <a:extLst>
-              <a:ext uri="{FF2B5EF4-FFF2-40B4-BE49-F238E27FC236}">
-                <a16:creationId xmlns:a16="http://schemas.microsoft.com/office/drawing/2014/main" id="{6C565D58-1DF9-4331-81C4-BF142053FE1E}"/>
-              </a:ext>
-            </a:extLst>
-          </p:cNvPr>
-          <p:cNvSpPr>
-            <a:spLocks noGrp="1"/>
-          </p:cNvSpPr>
+      <p:pic>
+        <p:nvPicPr>
+          <p:cNvPr id="5" name="Content Placeholder 4" descr="Diagram&#10;&#10;Description automatically generated">
+            <a:extLst>
+              <a:ext uri="{FF2B5EF4-FFF2-40B4-BE49-F238E27FC236}">
+                <a16:creationId xmlns:a16="http://schemas.microsoft.com/office/drawing/2014/main" id="{43443907-DE02-4F1B-B1BA-A39DE12A7F0A}"/>
+              </a:ext>
+            </a:extLst>
+          </p:cNvPr>
+          <p:cNvPicPr>
+            <a:picLocks noGrp="1" noChangeAspect="1"/>
+          </p:cNvPicPr>
           <p:nvPr>
             <p:ph idx="1"/>
           </p:nvPr>
-        </p:nvSpPr>
-        <p:spPr/>
-        <p:txBody>
-          <a:bodyPr/>
-          <a:lstStyle/>
-          <a:p>
-            <a:endParaRPr lang="en-US"/>
-          </a:p>
-        </p:txBody>
-      </p:sp>
+        </p:nvPicPr>
+        <p:blipFill>
+          <a:blip r:embed="rId2">
+            <a:extLst>
+              <a:ext uri="{28A0092B-C50C-407E-A947-70E740481C1C}">
+                <a14:useLocalDpi xmlns:a14="http://schemas.microsoft.com/office/drawing/2010/main" val="0"/>
+              </a:ext>
+            </a:extLst>
+          </a:blip>
+          <a:stretch>
+            <a:fillRect/>
+          </a:stretch>
+        </p:blipFill>
+        <p:spPr>
+          <a:xfrm>
+            <a:off x="726732" y="2182724"/>
+            <a:ext cx="4803532" cy="2701987"/>
+          </a:xfrm>
+        </p:spPr>
+      </p:pic>
+      <p:pic>
+        <p:nvPicPr>
+          <p:cNvPr id="7" name="Picture 6">
+            <a:extLst>
+              <a:ext uri="{FF2B5EF4-FFF2-40B4-BE49-F238E27FC236}">
+                <a16:creationId xmlns:a16="http://schemas.microsoft.com/office/drawing/2014/main" id="{38225706-7647-458E-AEBD-DE0F4B3FD185}"/>
+              </a:ext>
+            </a:extLst>
+          </p:cNvPr>
+          <p:cNvPicPr>
+            <a:picLocks noChangeAspect="1"/>
+          </p:cNvPicPr>
+          <p:nvPr/>
+        </p:nvPicPr>
+        <p:blipFill>
+          <a:blip r:embed="rId3"/>
+          <a:stretch>
+            <a:fillRect/>
+          </a:stretch>
+        </p:blipFill>
+        <p:spPr>
+          <a:xfrm>
+            <a:off x="3979342" y="4794731"/>
+            <a:ext cx="7374458" cy="1325563"/>
+          </a:xfrm>
+          <a:prstGeom prst="rect">
+            <a:avLst/>
+          </a:prstGeom>
+        </p:spPr>
+      </p:pic>
+      <p:pic>
+        <p:nvPicPr>
+          <p:cNvPr id="9" name="Picture 8">
+            <a:extLst>
+              <a:ext uri="{FF2B5EF4-FFF2-40B4-BE49-F238E27FC236}">
+                <a16:creationId xmlns:a16="http://schemas.microsoft.com/office/drawing/2014/main" id="{CBFFB102-B8C1-421D-9234-2BBEAE8BEB06}"/>
+              </a:ext>
+            </a:extLst>
+          </p:cNvPr>
+          <p:cNvPicPr>
+            <a:picLocks noChangeAspect="1"/>
+          </p:cNvPicPr>
+          <p:nvPr/>
+        </p:nvPicPr>
+        <p:blipFill>
+          <a:blip r:embed="rId4"/>
+          <a:stretch>
+            <a:fillRect/>
+          </a:stretch>
+        </p:blipFill>
+        <p:spPr>
+          <a:xfrm>
+            <a:off x="5994739" y="1985234"/>
+            <a:ext cx="3953427" cy="2514951"/>
+          </a:xfrm>
+          <a:prstGeom prst="rect">
+            <a:avLst/>
+          </a:prstGeom>
+        </p:spPr>
+      </p:pic>
     </p:spTree>
     <p:extLst>
       <p:ext uri="{BB962C8B-B14F-4D97-AF65-F5344CB8AC3E}">
@@ -5509,6 +5584,12 @@
             <a:r>
               <a:rPr lang="en-US" dirty="0"/>
               <a:t>Working algorithm </a:t>
+            </a:r>
+          </a:p>
+          <a:p>
+            <a:r>
+              <a:rPr lang="en-US" dirty="0"/>
+              <a:t>Working web interface </a:t>
             </a:r>
           </a:p>
         </p:txBody>

--- a/presentations/daa_review2.pptx
+++ b/presentations/daa_review2.pptx
@@ -5656,31 +5656,35 @@
           </a:p>
         </p:txBody>
       </p:sp>
-      <p:sp>
-        <p:nvSpPr>
-          <p:cNvPr id="4" name="Content Placeholder 3">
-            <a:extLst>
-              <a:ext uri="{FF2B5EF4-FFF2-40B4-BE49-F238E27FC236}">
-                <a16:creationId xmlns:a16="http://schemas.microsoft.com/office/drawing/2014/main" id="{D07DEF80-D328-4282-BFF3-05687A77D9CB}"/>
-              </a:ext>
-            </a:extLst>
-          </p:cNvPr>
-          <p:cNvSpPr>
-            <a:spLocks noGrp="1"/>
-          </p:cNvSpPr>
+      <p:pic>
+        <p:nvPicPr>
+          <p:cNvPr id="5" name="Content Placeholder 4">
+            <a:extLst>
+              <a:ext uri="{FF2B5EF4-FFF2-40B4-BE49-F238E27FC236}">
+                <a16:creationId xmlns:a16="http://schemas.microsoft.com/office/drawing/2014/main" id="{91656550-D7F5-437B-985A-281EFDE99C8F}"/>
+              </a:ext>
+            </a:extLst>
+          </p:cNvPr>
+          <p:cNvPicPr>
+            <a:picLocks noGrp="1" noChangeAspect="1"/>
+          </p:cNvPicPr>
           <p:nvPr>
             <p:ph idx="1"/>
           </p:nvPr>
-        </p:nvSpPr>
-        <p:spPr/>
-        <p:txBody>
-          <a:bodyPr/>
-          <a:lstStyle/>
-          <a:p>
-            <a:endParaRPr lang="en-US"/>
-          </a:p>
-        </p:txBody>
-      </p:sp>
+        </p:nvPicPr>
+        <p:blipFill>
+          <a:blip r:embed="rId2"/>
+          <a:stretch>
+            <a:fillRect/>
+          </a:stretch>
+        </p:blipFill>
+        <p:spPr>
+          <a:xfrm>
+            <a:off x="1152617" y="1790115"/>
+            <a:ext cx="8111232" cy="4351338"/>
+          </a:xfrm>
+        </p:spPr>
+      </p:pic>
     </p:spTree>
     <p:extLst>
       <p:ext uri="{BB962C8B-B14F-4D97-AF65-F5344CB8AC3E}">

--- a/presentations/daa_review2.pptx
+++ b/presentations/daa_review2.pptx
@@ -208,7 +208,7 @@
           <a:p>
             <a:fld id="{9ABB13F2-4845-4210-BE69-DCF7EB6F2246}" type="datetimeFigureOut">
               <a:rPr lang="en-US" smtClean="0"/>
-              <a:t>3/13/2022</a:t>
+              <a:t>3/14/2022</a:t>
             </a:fld>
             <a:endParaRPr lang="en-US"/>
           </a:p>
@@ -706,7 +706,7 @@
           <a:p>
             <a:fld id="{39AC05F6-8558-4487-BF74-FB5372F2C2A6}" type="datetimeFigureOut">
               <a:rPr lang="en-US" smtClean="0"/>
-              <a:t>3/13/2022</a:t>
+              <a:t>3/14/2022</a:t>
             </a:fld>
             <a:endParaRPr lang="en-US"/>
           </a:p>
@@ -904,7 +904,7 @@
           <a:p>
             <a:fld id="{39AC05F6-8558-4487-BF74-FB5372F2C2A6}" type="datetimeFigureOut">
               <a:rPr lang="en-US" smtClean="0"/>
-              <a:t>3/13/2022</a:t>
+              <a:t>3/14/2022</a:t>
             </a:fld>
             <a:endParaRPr lang="en-US"/>
           </a:p>
@@ -1112,7 +1112,7 @@
           <a:p>
             <a:fld id="{39AC05F6-8558-4487-BF74-FB5372F2C2A6}" type="datetimeFigureOut">
               <a:rPr lang="en-US" smtClean="0"/>
-              <a:t>3/13/2022</a:t>
+              <a:t>3/14/2022</a:t>
             </a:fld>
             <a:endParaRPr lang="en-US"/>
           </a:p>
@@ -1310,7 +1310,7 @@
           <a:p>
             <a:fld id="{39AC05F6-8558-4487-BF74-FB5372F2C2A6}" type="datetimeFigureOut">
               <a:rPr lang="en-US" smtClean="0"/>
-              <a:t>3/13/2022</a:t>
+              <a:t>3/14/2022</a:t>
             </a:fld>
             <a:endParaRPr lang="en-US"/>
           </a:p>
@@ -1585,7 +1585,7 @@
           <a:p>
             <a:fld id="{39AC05F6-8558-4487-BF74-FB5372F2C2A6}" type="datetimeFigureOut">
               <a:rPr lang="en-US" smtClean="0"/>
-              <a:t>3/13/2022</a:t>
+              <a:t>3/14/2022</a:t>
             </a:fld>
             <a:endParaRPr lang="en-US"/>
           </a:p>
@@ -1850,7 +1850,7 @@
           <a:p>
             <a:fld id="{39AC05F6-8558-4487-BF74-FB5372F2C2A6}" type="datetimeFigureOut">
               <a:rPr lang="en-US" smtClean="0"/>
-              <a:t>3/13/2022</a:t>
+              <a:t>3/14/2022</a:t>
             </a:fld>
             <a:endParaRPr lang="en-US"/>
           </a:p>
@@ -2262,7 +2262,7 @@
           <a:p>
             <a:fld id="{39AC05F6-8558-4487-BF74-FB5372F2C2A6}" type="datetimeFigureOut">
               <a:rPr lang="en-US" smtClean="0"/>
-              <a:t>3/13/2022</a:t>
+              <a:t>3/14/2022</a:t>
             </a:fld>
             <a:endParaRPr lang="en-US"/>
           </a:p>
@@ -2403,7 +2403,7 @@
           <a:p>
             <a:fld id="{39AC05F6-8558-4487-BF74-FB5372F2C2A6}" type="datetimeFigureOut">
               <a:rPr lang="en-US" smtClean="0"/>
-              <a:t>3/13/2022</a:t>
+              <a:t>3/14/2022</a:t>
             </a:fld>
             <a:endParaRPr lang="en-US"/>
           </a:p>
@@ -2516,7 +2516,7 @@
           <a:p>
             <a:fld id="{39AC05F6-8558-4487-BF74-FB5372F2C2A6}" type="datetimeFigureOut">
               <a:rPr lang="en-US" smtClean="0"/>
-              <a:t>3/13/2022</a:t>
+              <a:t>3/14/2022</a:t>
             </a:fld>
             <a:endParaRPr lang="en-US"/>
           </a:p>
@@ -2827,7 +2827,7 @@
           <a:p>
             <a:fld id="{39AC05F6-8558-4487-BF74-FB5372F2C2A6}" type="datetimeFigureOut">
               <a:rPr lang="en-US" smtClean="0"/>
-              <a:t>3/13/2022</a:t>
+              <a:t>3/14/2022</a:t>
             </a:fld>
             <a:endParaRPr lang="en-US"/>
           </a:p>
@@ -3115,7 +3115,7 @@
           <a:p>
             <a:fld id="{39AC05F6-8558-4487-BF74-FB5372F2C2A6}" type="datetimeFigureOut">
               <a:rPr lang="en-US" smtClean="0"/>
-              <a:t>3/13/2022</a:t>
+              <a:t>3/14/2022</a:t>
             </a:fld>
             <a:endParaRPr lang="en-US"/>
           </a:p>
@@ -3384,7 +3384,7 @@
           <a:p>
             <a:fld id="{39AC05F6-8558-4487-BF74-FB5372F2C2A6}" type="datetimeFigureOut">
               <a:rPr lang="en-US" smtClean="0"/>
-              <a:t>3/13/2022</a:t>
+              <a:t>3/14/2022</a:t>
             </a:fld>
             <a:endParaRPr lang="en-US"/>
           </a:p>
@@ -4847,19 +4847,17 @@
       </p:sp>
       <p:pic>
         <p:nvPicPr>
-          <p:cNvPr id="5" name="Content Placeholder 4">
-            <a:extLst>
-              <a:ext uri="{FF2B5EF4-FFF2-40B4-BE49-F238E27FC236}">
-                <a16:creationId xmlns:a16="http://schemas.microsoft.com/office/drawing/2014/main" id="{26D0043F-E522-4AD4-82A9-71A16B453DAF}"/>
+          <p:cNvPr id="7" name="Picture 6">
+            <a:extLst>
+              <a:ext uri="{FF2B5EF4-FFF2-40B4-BE49-F238E27FC236}">
+                <a16:creationId xmlns:a16="http://schemas.microsoft.com/office/drawing/2014/main" id="{93EADC48-09B5-4283-A2F8-EA6E29B850DF}"/>
               </a:ext>
             </a:extLst>
           </p:cNvPr>
           <p:cNvPicPr>
-            <a:picLocks noGrp="1" noChangeAspect="1"/>
+            <a:picLocks noChangeAspect="1"/>
           </p:cNvPicPr>
-          <p:nvPr>
-            <p:ph idx="1"/>
-          </p:nvPr>
+          <p:nvPr/>
         </p:nvPicPr>
         <p:blipFill>
           <a:blip r:embed="rId2"/>
@@ -4869,9 +4867,12 @@
         </p:blipFill>
         <p:spPr>
           <a:xfrm>
-            <a:off x="3402715" y="1825625"/>
-            <a:ext cx="5386569" cy="4351338"/>
+            <a:off x="2590871" y="1684657"/>
+            <a:ext cx="5854482" cy="4633274"/>
           </a:xfrm>
+          <a:prstGeom prst="rect">
+            <a:avLst/>
+          </a:prstGeom>
         </p:spPr>
       </p:pic>
     </p:spTree>
@@ -5368,7 +5369,7 @@
           <a:p>
             <a:r>
               <a:rPr lang="en-US" dirty="0"/>
-              <a:t>Since the computers in a mobile robot can be limiting the problem statement objective of using the most space saving algorithm is justified. </a:t>
+              <a:t>Since the computers in moving robots have space and power limitations, using Shortest distance technique will help us achieve better efficiency  </a:t>
             </a:r>
           </a:p>
         </p:txBody>
@@ -5484,8 +5485,13 @@
               <a:rPr lang="en-IN" dirty="0">
                 <a:latin typeface="SF UI Display" panose="00000500000000000000" pitchFamily="50" charset="0"/>
               </a:rPr>
-              <a:t>Python – dictionary</a:t>
-            </a:r>
+              <a:t>Python – priority queue</a:t>
+            </a:r>
+          </a:p>
+          <a:p>
+            <a:endParaRPr lang="en-IN" dirty="0">
+              <a:latin typeface="SF UI Display" panose="00000500000000000000" pitchFamily="50" charset="0"/>
+            </a:endParaRPr>
           </a:p>
         </p:txBody>
       </p:sp>

--- a/presentations/daa_review2.pptx
+++ b/presentations/daa_review2.pptx
@@ -4306,10 +4306,10 @@
       </p:pic>
       <p:pic>
         <p:nvPicPr>
-          <p:cNvPr id="7" name="Picture 6">
-            <a:extLst>
-              <a:ext uri="{FF2B5EF4-FFF2-40B4-BE49-F238E27FC236}">
-                <a16:creationId xmlns:a16="http://schemas.microsoft.com/office/drawing/2014/main" id="{38225706-7647-458E-AEBD-DE0F4B3FD185}"/>
+          <p:cNvPr id="9" name="Picture 8">
+            <a:extLst>
+              <a:ext uri="{FF2B5EF4-FFF2-40B4-BE49-F238E27FC236}">
+                <a16:creationId xmlns:a16="http://schemas.microsoft.com/office/drawing/2014/main" id="{CBFFB102-B8C1-421D-9234-2BBEAE8BEB06}"/>
               </a:ext>
             </a:extLst>
           </p:cNvPr>
@@ -4326,8 +4326,8 @@
         </p:blipFill>
         <p:spPr>
           <a:xfrm>
-            <a:off x="3979342" y="4794731"/>
-            <a:ext cx="7374458" cy="1325563"/>
+            <a:off x="5994739" y="1985234"/>
+            <a:ext cx="3953427" cy="2514951"/>
           </a:xfrm>
           <a:prstGeom prst="rect">
             <a:avLst/>
@@ -4336,10 +4336,10 @@
       </p:pic>
       <p:pic>
         <p:nvPicPr>
-          <p:cNvPr id="9" name="Picture 8">
-            <a:extLst>
-              <a:ext uri="{FF2B5EF4-FFF2-40B4-BE49-F238E27FC236}">
-                <a16:creationId xmlns:a16="http://schemas.microsoft.com/office/drawing/2014/main" id="{CBFFB102-B8C1-421D-9234-2BBEAE8BEB06}"/>
+          <p:cNvPr id="6" name="Picture 5">
+            <a:extLst>
+              <a:ext uri="{FF2B5EF4-FFF2-40B4-BE49-F238E27FC236}">
+                <a16:creationId xmlns:a16="http://schemas.microsoft.com/office/drawing/2014/main" id="{645357BE-48C5-4F13-AFC4-747F7FB60E11}"/>
               </a:ext>
             </a:extLst>
           </p:cNvPr>
@@ -4356,8 +4356,8 @@
         </p:blipFill>
         <p:spPr>
           <a:xfrm>
-            <a:off x="5994739" y="1985234"/>
-            <a:ext cx="3953427" cy="2514951"/>
+            <a:off x="4919110" y="4174464"/>
+            <a:ext cx="5182323" cy="2191056"/>
           </a:xfrm>
           <a:prstGeom prst="rect">
             <a:avLst/>
@@ -5664,10 +5664,10 @@
       </p:sp>
       <p:pic>
         <p:nvPicPr>
-          <p:cNvPr id="5" name="Content Placeholder 4">
-            <a:extLst>
-              <a:ext uri="{FF2B5EF4-FFF2-40B4-BE49-F238E27FC236}">
-                <a16:creationId xmlns:a16="http://schemas.microsoft.com/office/drawing/2014/main" id="{91656550-D7F5-437B-985A-281EFDE99C8F}"/>
+          <p:cNvPr id="7" name="Content Placeholder 6">
+            <a:extLst>
+              <a:ext uri="{FF2B5EF4-FFF2-40B4-BE49-F238E27FC236}">
+                <a16:creationId xmlns:a16="http://schemas.microsoft.com/office/drawing/2014/main" id="{D75D4F2E-9BEE-43CF-811F-35CA37E9C26B}"/>
               </a:ext>
             </a:extLst>
           </p:cNvPr>
@@ -5686,9 +5686,39 @@
         </p:blipFill>
         <p:spPr>
           <a:xfrm>
-            <a:off x="1152617" y="1790115"/>
+            <a:off x="2040384" y="1825625"/>
             <a:ext cx="8111232" cy="4351338"/>
           </a:xfrm>
+        </p:spPr>
+      </p:pic>
+      <p:pic>
+        <p:nvPicPr>
+          <p:cNvPr id="8" name="Content Placeholder 6">
+            <a:extLst>
+              <a:ext uri="{FF2B5EF4-FFF2-40B4-BE49-F238E27FC236}">
+                <a16:creationId xmlns:a16="http://schemas.microsoft.com/office/drawing/2014/main" id="{05C4007D-72C2-4D1F-B2BD-27E82DADDD72}"/>
+              </a:ext>
+            </a:extLst>
+          </p:cNvPr>
+          <p:cNvPicPr>
+            <a:picLocks noChangeAspect="1"/>
+          </p:cNvPicPr>
+          <p:nvPr/>
+        </p:nvPicPr>
+        <p:blipFill>
+          <a:blip r:embed="rId2"/>
+          <a:stretch>
+            <a:fillRect/>
+          </a:stretch>
+        </p:blipFill>
+        <p:spPr>
+          <a:xfrm>
+            <a:off x="994008" y="1797345"/>
+            <a:ext cx="8111232" cy="4351338"/>
+          </a:xfrm>
+          <a:prstGeom prst="rect">
+            <a:avLst/>
+          </a:prstGeom>
         </p:spPr>
       </p:pic>
     </p:spTree>
